--- a/ppt 16-9/1072.靠主引导.pptx
+++ b/ppt 16-9/1072.靠主引导.pptx
@@ -5,7 +5,7 @@
     <p:sldMasterId id="2147483648" r:id="rId1"/>
   </p:sldMasterIdLst>
   <p:sldIdLst>
-    <p:sldId id="522" r:id="rId2"/>
+    <p:sldId id="523" r:id="rId2"/>
   </p:sldIdLst>
   <p:sldSz cx="12192000" cy="6858000"/>
   <p:notesSz cx="6858000" cy="9144000"/>
@@ -129,7 +129,7 @@
           <p:cNvPr id="2" name="标题 1">
             <a:extLst>
               <a:ext uri="{FF2B5EF4-FFF2-40B4-BE49-F238E27FC236}">
-                <a16:creationId xmlns:a16="http://schemas.microsoft.com/office/drawing/2014/main" id="{F4C16A2A-33F0-F0F7-651D-CF8A18DDCD7A}"/>
+                <a16:creationId xmlns:a16="http://schemas.microsoft.com/office/drawing/2014/main" id="{0FE24823-2A42-C358-BB81-D758C4C81C25}"/>
               </a:ext>
             </a:extLst>
           </p:cNvPr>
@@ -166,7 +166,7 @@
           <p:cNvPr id="3" name="副标题 2">
             <a:extLst>
               <a:ext uri="{FF2B5EF4-FFF2-40B4-BE49-F238E27FC236}">
-                <a16:creationId xmlns:a16="http://schemas.microsoft.com/office/drawing/2014/main" id="{08F2E177-5E8A-A29A-F125-70C3FEFAA904}"/>
+                <a16:creationId xmlns:a16="http://schemas.microsoft.com/office/drawing/2014/main" id="{95D08A39-7EC5-4C08-C278-116194F442E0}"/>
               </a:ext>
             </a:extLst>
           </p:cNvPr>
@@ -236,7 +236,7 @@
           <p:cNvPr id="4" name="日期占位符 3">
             <a:extLst>
               <a:ext uri="{FF2B5EF4-FFF2-40B4-BE49-F238E27FC236}">
-                <a16:creationId xmlns:a16="http://schemas.microsoft.com/office/drawing/2014/main" id="{FD67DE86-E03D-D26F-14EA-A9B9EB3BE697}"/>
+                <a16:creationId xmlns:a16="http://schemas.microsoft.com/office/drawing/2014/main" id="{81803CEB-7512-76AF-7563-2A21BA71245F}"/>
               </a:ext>
             </a:extLst>
           </p:cNvPr>
@@ -252,7 +252,7 @@
           <a:bodyPr/>
           <a:lstStyle/>
           <a:p>
-            <a:fld id="{9D7F5603-EEF2-4C95-BF9D-0A13C945F77B}" type="datetimeFigureOut">
+            <a:fld id="{C815FA5C-DDA1-4A65-8A46-B8B67DF42838}" type="datetimeFigureOut">
               <a:rPr lang="zh-CN" altLang="en-US" smtClean="0"/>
               <a:t>2024/3/10</a:t>
             </a:fld>
@@ -265,7 +265,7 @@
           <p:cNvPr id="5" name="页脚占位符 4">
             <a:extLst>
               <a:ext uri="{FF2B5EF4-FFF2-40B4-BE49-F238E27FC236}">
-                <a16:creationId xmlns:a16="http://schemas.microsoft.com/office/drawing/2014/main" id="{05B98B69-5A2D-62F1-BB64-31731A893EDD}"/>
+                <a16:creationId xmlns:a16="http://schemas.microsoft.com/office/drawing/2014/main" id="{7828A620-057B-E277-8570-29E0DCB3AE1C}"/>
               </a:ext>
             </a:extLst>
           </p:cNvPr>
@@ -290,7 +290,7 @@
           <p:cNvPr id="6" name="灯片编号占位符 5">
             <a:extLst>
               <a:ext uri="{FF2B5EF4-FFF2-40B4-BE49-F238E27FC236}">
-                <a16:creationId xmlns:a16="http://schemas.microsoft.com/office/drawing/2014/main" id="{C79FA01F-BD01-AC6A-A596-C7219097A344}"/>
+                <a16:creationId xmlns:a16="http://schemas.microsoft.com/office/drawing/2014/main" id="{4DFECE91-676A-AE19-4E2A-BD11AA6E7C9F}"/>
               </a:ext>
             </a:extLst>
           </p:cNvPr>
@@ -306,7 +306,7 @@
           <a:bodyPr/>
           <a:lstStyle/>
           <a:p>
-            <a:fld id="{65AF1F4F-7EA8-4E03-B820-31B9DCCE0463}" type="slidenum">
+            <a:fld id="{3C8A742D-CD72-4ED7-8DD2-0169A331BA08}" type="slidenum">
               <a:rPr lang="zh-CN" altLang="en-US" smtClean="0"/>
               <a:t>‹#›</a:t>
             </a:fld>
@@ -317,7 +317,7 @@
     </p:spTree>
     <p:extLst>
       <p:ext uri="{BB962C8B-B14F-4D97-AF65-F5344CB8AC3E}">
-        <p14:creationId xmlns:p14="http://schemas.microsoft.com/office/powerpoint/2010/main" val="1985773703"/>
+        <p14:creationId xmlns:p14="http://schemas.microsoft.com/office/powerpoint/2010/main" val="254955578"/>
       </p:ext>
     </p:extLst>
   </p:cSld>
@@ -349,7 +349,7 @@
           <p:cNvPr id="2" name="标题 1">
             <a:extLst>
               <a:ext uri="{FF2B5EF4-FFF2-40B4-BE49-F238E27FC236}">
-                <a16:creationId xmlns:a16="http://schemas.microsoft.com/office/drawing/2014/main" id="{101758DF-4114-4F67-11A8-49A4B7F215C8}"/>
+                <a16:creationId xmlns:a16="http://schemas.microsoft.com/office/drawing/2014/main" id="{ADDC6112-E496-8565-20C9-4F2AB1B11C31}"/>
               </a:ext>
             </a:extLst>
           </p:cNvPr>
@@ -377,7 +377,7 @@
           <p:cNvPr id="3" name="竖排文字占位符 2">
             <a:extLst>
               <a:ext uri="{FF2B5EF4-FFF2-40B4-BE49-F238E27FC236}">
-                <a16:creationId xmlns:a16="http://schemas.microsoft.com/office/drawing/2014/main" id="{4179BC70-9AA8-3B74-A8AE-77D7E7CDFB91}"/>
+                <a16:creationId xmlns:a16="http://schemas.microsoft.com/office/drawing/2014/main" id="{29ECE89D-B444-1097-D2D8-BA6F9B33293A}"/>
               </a:ext>
             </a:extLst>
           </p:cNvPr>
@@ -434,7 +434,7 @@
           <p:cNvPr id="4" name="日期占位符 3">
             <a:extLst>
               <a:ext uri="{FF2B5EF4-FFF2-40B4-BE49-F238E27FC236}">
-                <a16:creationId xmlns:a16="http://schemas.microsoft.com/office/drawing/2014/main" id="{EA5410BD-631A-7080-D84B-1BD06045FCB0}"/>
+                <a16:creationId xmlns:a16="http://schemas.microsoft.com/office/drawing/2014/main" id="{101B2929-B952-CCEC-C516-74D5C94F104A}"/>
               </a:ext>
             </a:extLst>
           </p:cNvPr>
@@ -450,7 +450,7 @@
           <a:bodyPr/>
           <a:lstStyle/>
           <a:p>
-            <a:fld id="{9D7F5603-EEF2-4C95-BF9D-0A13C945F77B}" type="datetimeFigureOut">
+            <a:fld id="{C815FA5C-DDA1-4A65-8A46-B8B67DF42838}" type="datetimeFigureOut">
               <a:rPr lang="zh-CN" altLang="en-US" smtClean="0"/>
               <a:t>2024/3/10</a:t>
             </a:fld>
@@ -463,7 +463,7 @@
           <p:cNvPr id="5" name="页脚占位符 4">
             <a:extLst>
               <a:ext uri="{FF2B5EF4-FFF2-40B4-BE49-F238E27FC236}">
-                <a16:creationId xmlns:a16="http://schemas.microsoft.com/office/drawing/2014/main" id="{E63D7046-5E55-C490-ED61-932B6C65E11D}"/>
+                <a16:creationId xmlns:a16="http://schemas.microsoft.com/office/drawing/2014/main" id="{EE423177-1446-4216-D696-A716F31B2210}"/>
               </a:ext>
             </a:extLst>
           </p:cNvPr>
@@ -488,7 +488,7 @@
           <p:cNvPr id="6" name="灯片编号占位符 5">
             <a:extLst>
               <a:ext uri="{FF2B5EF4-FFF2-40B4-BE49-F238E27FC236}">
-                <a16:creationId xmlns:a16="http://schemas.microsoft.com/office/drawing/2014/main" id="{B6E1B46F-25A6-49D9-8C49-9660228AC935}"/>
+                <a16:creationId xmlns:a16="http://schemas.microsoft.com/office/drawing/2014/main" id="{037DDE11-0108-0D0C-5215-DF8AEF5C270E}"/>
               </a:ext>
             </a:extLst>
           </p:cNvPr>
@@ -504,7 +504,7 @@
           <a:bodyPr/>
           <a:lstStyle/>
           <a:p>
-            <a:fld id="{65AF1F4F-7EA8-4E03-B820-31B9DCCE0463}" type="slidenum">
+            <a:fld id="{3C8A742D-CD72-4ED7-8DD2-0169A331BA08}" type="slidenum">
               <a:rPr lang="zh-CN" altLang="en-US" smtClean="0"/>
               <a:t>‹#›</a:t>
             </a:fld>
@@ -515,7 +515,7 @@
     </p:spTree>
     <p:extLst>
       <p:ext uri="{BB962C8B-B14F-4D97-AF65-F5344CB8AC3E}">
-        <p14:creationId xmlns:p14="http://schemas.microsoft.com/office/powerpoint/2010/main" val="2006530"/>
+        <p14:creationId xmlns:p14="http://schemas.microsoft.com/office/powerpoint/2010/main" val="2106891770"/>
       </p:ext>
     </p:extLst>
   </p:cSld>
@@ -547,7 +547,7 @@
           <p:cNvPr id="2" name="竖排标题 1">
             <a:extLst>
               <a:ext uri="{FF2B5EF4-FFF2-40B4-BE49-F238E27FC236}">
-                <a16:creationId xmlns:a16="http://schemas.microsoft.com/office/drawing/2014/main" id="{673FAF71-C93C-7599-EB2C-845E1111B50E}"/>
+                <a16:creationId xmlns:a16="http://schemas.microsoft.com/office/drawing/2014/main" id="{DA29DFBC-510F-28EE-B3E7-F2E39A9D2FF6}"/>
               </a:ext>
             </a:extLst>
           </p:cNvPr>
@@ -580,7 +580,7 @@
           <p:cNvPr id="3" name="竖排文字占位符 2">
             <a:extLst>
               <a:ext uri="{FF2B5EF4-FFF2-40B4-BE49-F238E27FC236}">
-                <a16:creationId xmlns:a16="http://schemas.microsoft.com/office/drawing/2014/main" id="{ECC70A2A-2E1B-F8ED-8384-7E18017FB8E1}"/>
+                <a16:creationId xmlns:a16="http://schemas.microsoft.com/office/drawing/2014/main" id="{CAE653DB-6894-0693-15A3-95F94C8264A6}"/>
               </a:ext>
             </a:extLst>
           </p:cNvPr>
@@ -642,7 +642,7 @@
           <p:cNvPr id="4" name="日期占位符 3">
             <a:extLst>
               <a:ext uri="{FF2B5EF4-FFF2-40B4-BE49-F238E27FC236}">
-                <a16:creationId xmlns:a16="http://schemas.microsoft.com/office/drawing/2014/main" id="{827AE02C-F656-49C4-32D2-FA2CC12DBE91}"/>
+                <a16:creationId xmlns:a16="http://schemas.microsoft.com/office/drawing/2014/main" id="{148035F5-D625-2D65-0A87-1501955BB146}"/>
               </a:ext>
             </a:extLst>
           </p:cNvPr>
@@ -658,7 +658,7 @@
           <a:bodyPr/>
           <a:lstStyle/>
           <a:p>
-            <a:fld id="{9D7F5603-EEF2-4C95-BF9D-0A13C945F77B}" type="datetimeFigureOut">
+            <a:fld id="{C815FA5C-DDA1-4A65-8A46-B8B67DF42838}" type="datetimeFigureOut">
               <a:rPr lang="zh-CN" altLang="en-US" smtClean="0"/>
               <a:t>2024/3/10</a:t>
             </a:fld>
@@ -671,7 +671,7 @@
           <p:cNvPr id="5" name="页脚占位符 4">
             <a:extLst>
               <a:ext uri="{FF2B5EF4-FFF2-40B4-BE49-F238E27FC236}">
-                <a16:creationId xmlns:a16="http://schemas.microsoft.com/office/drawing/2014/main" id="{1840D5A6-44B5-2B36-026A-BB49B870C267}"/>
+                <a16:creationId xmlns:a16="http://schemas.microsoft.com/office/drawing/2014/main" id="{8BBF2F7D-17A4-7855-7023-4E6280DF904B}"/>
               </a:ext>
             </a:extLst>
           </p:cNvPr>
@@ -696,7 +696,7 @@
           <p:cNvPr id="6" name="灯片编号占位符 5">
             <a:extLst>
               <a:ext uri="{FF2B5EF4-FFF2-40B4-BE49-F238E27FC236}">
-                <a16:creationId xmlns:a16="http://schemas.microsoft.com/office/drawing/2014/main" id="{34760E74-3DA3-EED6-9CF6-54CF43CB1500}"/>
+                <a16:creationId xmlns:a16="http://schemas.microsoft.com/office/drawing/2014/main" id="{CABD4E15-9C31-6869-593F-1031329B9EEC}"/>
               </a:ext>
             </a:extLst>
           </p:cNvPr>
@@ -712,7 +712,7 @@
           <a:bodyPr/>
           <a:lstStyle/>
           <a:p>
-            <a:fld id="{65AF1F4F-7EA8-4E03-B820-31B9DCCE0463}" type="slidenum">
+            <a:fld id="{3C8A742D-CD72-4ED7-8DD2-0169A331BA08}" type="slidenum">
               <a:rPr lang="zh-CN" altLang="en-US" smtClean="0"/>
               <a:t>‹#›</a:t>
             </a:fld>
@@ -723,7 +723,7 @@
     </p:spTree>
     <p:extLst>
       <p:ext uri="{BB962C8B-B14F-4D97-AF65-F5344CB8AC3E}">
-        <p14:creationId xmlns:p14="http://schemas.microsoft.com/office/powerpoint/2010/main" val="1271299286"/>
+        <p14:creationId xmlns:p14="http://schemas.microsoft.com/office/powerpoint/2010/main" val="3165649450"/>
       </p:ext>
     </p:extLst>
   </p:cSld>
@@ -755,7 +755,7 @@
           <p:cNvPr id="2" name="标题 1">
             <a:extLst>
               <a:ext uri="{FF2B5EF4-FFF2-40B4-BE49-F238E27FC236}">
-                <a16:creationId xmlns:a16="http://schemas.microsoft.com/office/drawing/2014/main" id="{E9D6D48B-EE77-4F55-2F86-4543F3F85D4A}"/>
+                <a16:creationId xmlns:a16="http://schemas.microsoft.com/office/drawing/2014/main" id="{DE539AE2-4C67-3141-9B32-52D988A3E954}"/>
               </a:ext>
             </a:extLst>
           </p:cNvPr>
@@ -783,7 +783,7 @@
           <p:cNvPr id="3" name="内容占位符 2">
             <a:extLst>
               <a:ext uri="{FF2B5EF4-FFF2-40B4-BE49-F238E27FC236}">
-                <a16:creationId xmlns:a16="http://schemas.microsoft.com/office/drawing/2014/main" id="{F1A46B32-26D3-1226-0490-59BAAB98A6E0}"/>
+                <a16:creationId xmlns:a16="http://schemas.microsoft.com/office/drawing/2014/main" id="{52A54A58-F8E1-6852-9DB8-B66DBB5398E9}"/>
               </a:ext>
             </a:extLst>
           </p:cNvPr>
@@ -840,7 +840,7 @@
           <p:cNvPr id="4" name="日期占位符 3">
             <a:extLst>
               <a:ext uri="{FF2B5EF4-FFF2-40B4-BE49-F238E27FC236}">
-                <a16:creationId xmlns:a16="http://schemas.microsoft.com/office/drawing/2014/main" id="{24E16252-101C-2AAA-AB7C-343B6176E579}"/>
+                <a16:creationId xmlns:a16="http://schemas.microsoft.com/office/drawing/2014/main" id="{6AA5308B-C1F1-F145-B546-B4ED5A2FEA33}"/>
               </a:ext>
             </a:extLst>
           </p:cNvPr>
@@ -856,7 +856,7 @@
           <a:bodyPr/>
           <a:lstStyle/>
           <a:p>
-            <a:fld id="{9D7F5603-EEF2-4C95-BF9D-0A13C945F77B}" type="datetimeFigureOut">
+            <a:fld id="{C815FA5C-DDA1-4A65-8A46-B8B67DF42838}" type="datetimeFigureOut">
               <a:rPr lang="zh-CN" altLang="en-US" smtClean="0"/>
               <a:t>2024/3/10</a:t>
             </a:fld>
@@ -869,7 +869,7 @@
           <p:cNvPr id="5" name="页脚占位符 4">
             <a:extLst>
               <a:ext uri="{FF2B5EF4-FFF2-40B4-BE49-F238E27FC236}">
-                <a16:creationId xmlns:a16="http://schemas.microsoft.com/office/drawing/2014/main" id="{BAE2FF5E-E0B9-FF8A-1459-AD947A49AD7D}"/>
+                <a16:creationId xmlns:a16="http://schemas.microsoft.com/office/drawing/2014/main" id="{02242703-8AB5-29FD-FC2C-58B96CC09103}"/>
               </a:ext>
             </a:extLst>
           </p:cNvPr>
@@ -894,7 +894,7 @@
           <p:cNvPr id="6" name="灯片编号占位符 5">
             <a:extLst>
               <a:ext uri="{FF2B5EF4-FFF2-40B4-BE49-F238E27FC236}">
-                <a16:creationId xmlns:a16="http://schemas.microsoft.com/office/drawing/2014/main" id="{9A00DA0A-3A03-0595-1A48-87D0A3E544B7}"/>
+                <a16:creationId xmlns:a16="http://schemas.microsoft.com/office/drawing/2014/main" id="{7F141E6D-D080-5A3A-D877-B07EC3E55BB8}"/>
               </a:ext>
             </a:extLst>
           </p:cNvPr>
@@ -910,7 +910,7 @@
           <a:bodyPr/>
           <a:lstStyle/>
           <a:p>
-            <a:fld id="{65AF1F4F-7EA8-4E03-B820-31B9DCCE0463}" type="slidenum">
+            <a:fld id="{3C8A742D-CD72-4ED7-8DD2-0169A331BA08}" type="slidenum">
               <a:rPr lang="zh-CN" altLang="en-US" smtClean="0"/>
               <a:t>‹#›</a:t>
             </a:fld>
@@ -921,7 +921,7 @@
     </p:spTree>
     <p:extLst>
       <p:ext uri="{BB962C8B-B14F-4D97-AF65-F5344CB8AC3E}">
-        <p14:creationId xmlns:p14="http://schemas.microsoft.com/office/powerpoint/2010/main" val="4116645826"/>
+        <p14:creationId xmlns:p14="http://schemas.microsoft.com/office/powerpoint/2010/main" val="2167662433"/>
       </p:ext>
     </p:extLst>
   </p:cSld>
@@ -953,7 +953,7 @@
           <p:cNvPr id="2" name="标题 1">
             <a:extLst>
               <a:ext uri="{FF2B5EF4-FFF2-40B4-BE49-F238E27FC236}">
-                <a16:creationId xmlns:a16="http://schemas.microsoft.com/office/drawing/2014/main" id="{13610079-ECF4-A7D0-2927-F31DC3DBC4A8}"/>
+                <a16:creationId xmlns:a16="http://schemas.microsoft.com/office/drawing/2014/main" id="{94CCA25D-B683-DFD8-41B9-94D0BD9A3263}"/>
               </a:ext>
             </a:extLst>
           </p:cNvPr>
@@ -990,7 +990,7 @@
           <p:cNvPr id="3" name="文本占位符 2">
             <a:extLst>
               <a:ext uri="{FF2B5EF4-FFF2-40B4-BE49-F238E27FC236}">
-                <a16:creationId xmlns:a16="http://schemas.microsoft.com/office/drawing/2014/main" id="{6CB9D6D5-24A6-31CF-59EC-576E91D7547F}"/>
+                <a16:creationId xmlns:a16="http://schemas.microsoft.com/office/drawing/2014/main" id="{21553BB2-028B-21AD-42F1-EA26A0CAAB92}"/>
               </a:ext>
             </a:extLst>
           </p:cNvPr>
@@ -1115,7 +1115,7 @@
           <p:cNvPr id="4" name="日期占位符 3">
             <a:extLst>
               <a:ext uri="{FF2B5EF4-FFF2-40B4-BE49-F238E27FC236}">
-                <a16:creationId xmlns:a16="http://schemas.microsoft.com/office/drawing/2014/main" id="{5C208E34-E19C-CFD1-0285-A57B4069436F}"/>
+                <a16:creationId xmlns:a16="http://schemas.microsoft.com/office/drawing/2014/main" id="{E9C86A5F-3A51-22A9-F20F-2B522623B6B0}"/>
               </a:ext>
             </a:extLst>
           </p:cNvPr>
@@ -1131,7 +1131,7 @@
           <a:bodyPr/>
           <a:lstStyle/>
           <a:p>
-            <a:fld id="{9D7F5603-EEF2-4C95-BF9D-0A13C945F77B}" type="datetimeFigureOut">
+            <a:fld id="{C815FA5C-DDA1-4A65-8A46-B8B67DF42838}" type="datetimeFigureOut">
               <a:rPr lang="zh-CN" altLang="en-US" smtClean="0"/>
               <a:t>2024/3/10</a:t>
             </a:fld>
@@ -1144,7 +1144,7 @@
           <p:cNvPr id="5" name="页脚占位符 4">
             <a:extLst>
               <a:ext uri="{FF2B5EF4-FFF2-40B4-BE49-F238E27FC236}">
-                <a16:creationId xmlns:a16="http://schemas.microsoft.com/office/drawing/2014/main" id="{10944D5E-DF55-C524-6E2A-54591FC05B00}"/>
+                <a16:creationId xmlns:a16="http://schemas.microsoft.com/office/drawing/2014/main" id="{43B871D0-7F31-7C72-8200-C515729AE03A}"/>
               </a:ext>
             </a:extLst>
           </p:cNvPr>
@@ -1169,7 +1169,7 @@
           <p:cNvPr id="6" name="灯片编号占位符 5">
             <a:extLst>
               <a:ext uri="{FF2B5EF4-FFF2-40B4-BE49-F238E27FC236}">
-                <a16:creationId xmlns:a16="http://schemas.microsoft.com/office/drawing/2014/main" id="{6CC89975-3D1E-C8A2-64D8-CCB3D7DC0501}"/>
+                <a16:creationId xmlns:a16="http://schemas.microsoft.com/office/drawing/2014/main" id="{3E838300-EB58-9BAE-ACF7-C30F679F1CD4}"/>
               </a:ext>
             </a:extLst>
           </p:cNvPr>
@@ -1185,7 +1185,7 @@
           <a:bodyPr/>
           <a:lstStyle/>
           <a:p>
-            <a:fld id="{65AF1F4F-7EA8-4E03-B820-31B9DCCE0463}" type="slidenum">
+            <a:fld id="{3C8A742D-CD72-4ED7-8DD2-0169A331BA08}" type="slidenum">
               <a:rPr lang="zh-CN" altLang="en-US" smtClean="0"/>
               <a:t>‹#›</a:t>
             </a:fld>
@@ -1196,7 +1196,7 @@
     </p:spTree>
     <p:extLst>
       <p:ext uri="{BB962C8B-B14F-4D97-AF65-F5344CB8AC3E}">
-        <p14:creationId xmlns:p14="http://schemas.microsoft.com/office/powerpoint/2010/main" val="4216373982"/>
+        <p14:creationId xmlns:p14="http://schemas.microsoft.com/office/powerpoint/2010/main" val="2172053525"/>
       </p:ext>
     </p:extLst>
   </p:cSld>
@@ -1228,7 +1228,7 @@
           <p:cNvPr id="2" name="标题 1">
             <a:extLst>
               <a:ext uri="{FF2B5EF4-FFF2-40B4-BE49-F238E27FC236}">
-                <a16:creationId xmlns:a16="http://schemas.microsoft.com/office/drawing/2014/main" id="{CB81D7AF-30BE-9E4B-B454-6BBEDEF44F96}"/>
+                <a16:creationId xmlns:a16="http://schemas.microsoft.com/office/drawing/2014/main" id="{7F05D9C9-5215-FE3B-987E-5B148865891A}"/>
               </a:ext>
             </a:extLst>
           </p:cNvPr>
@@ -1256,7 +1256,7 @@
           <p:cNvPr id="3" name="内容占位符 2">
             <a:extLst>
               <a:ext uri="{FF2B5EF4-FFF2-40B4-BE49-F238E27FC236}">
-                <a16:creationId xmlns:a16="http://schemas.microsoft.com/office/drawing/2014/main" id="{A5AE5B55-DEEF-FCC4-C4D7-6814117546B8}"/>
+                <a16:creationId xmlns:a16="http://schemas.microsoft.com/office/drawing/2014/main" id="{B84B1B52-CA2D-E499-A6DD-9B8AD99BC61B}"/>
               </a:ext>
             </a:extLst>
           </p:cNvPr>
@@ -1318,7 +1318,7 @@
           <p:cNvPr id="4" name="内容占位符 3">
             <a:extLst>
               <a:ext uri="{FF2B5EF4-FFF2-40B4-BE49-F238E27FC236}">
-                <a16:creationId xmlns:a16="http://schemas.microsoft.com/office/drawing/2014/main" id="{3B8D8D7B-9B10-9B2E-2A26-CBD0DEA395B5}"/>
+                <a16:creationId xmlns:a16="http://schemas.microsoft.com/office/drawing/2014/main" id="{FBB719C6-C8A4-10A9-307E-F174D01DE0E4}"/>
               </a:ext>
             </a:extLst>
           </p:cNvPr>
@@ -1380,7 +1380,7 @@
           <p:cNvPr id="5" name="日期占位符 4">
             <a:extLst>
               <a:ext uri="{FF2B5EF4-FFF2-40B4-BE49-F238E27FC236}">
-                <a16:creationId xmlns:a16="http://schemas.microsoft.com/office/drawing/2014/main" id="{B2D8D0B3-B02B-77D3-36EF-6EC4E0EE4CD9}"/>
+                <a16:creationId xmlns:a16="http://schemas.microsoft.com/office/drawing/2014/main" id="{09EE514B-4191-5E88-2612-CF745AAD0BFC}"/>
               </a:ext>
             </a:extLst>
           </p:cNvPr>
@@ -1396,7 +1396,7 @@
           <a:bodyPr/>
           <a:lstStyle/>
           <a:p>
-            <a:fld id="{9D7F5603-EEF2-4C95-BF9D-0A13C945F77B}" type="datetimeFigureOut">
+            <a:fld id="{C815FA5C-DDA1-4A65-8A46-B8B67DF42838}" type="datetimeFigureOut">
               <a:rPr lang="zh-CN" altLang="en-US" smtClean="0"/>
               <a:t>2024/3/10</a:t>
             </a:fld>
@@ -1409,7 +1409,7 @@
           <p:cNvPr id="6" name="页脚占位符 5">
             <a:extLst>
               <a:ext uri="{FF2B5EF4-FFF2-40B4-BE49-F238E27FC236}">
-                <a16:creationId xmlns:a16="http://schemas.microsoft.com/office/drawing/2014/main" id="{A54E337F-AA9E-588B-157A-D9DD2022DF49}"/>
+                <a16:creationId xmlns:a16="http://schemas.microsoft.com/office/drawing/2014/main" id="{84EB3512-AD35-1B22-1CDD-411466C0EE2F}"/>
               </a:ext>
             </a:extLst>
           </p:cNvPr>
@@ -1434,7 +1434,7 @@
           <p:cNvPr id="7" name="灯片编号占位符 6">
             <a:extLst>
               <a:ext uri="{FF2B5EF4-FFF2-40B4-BE49-F238E27FC236}">
-                <a16:creationId xmlns:a16="http://schemas.microsoft.com/office/drawing/2014/main" id="{F537B961-F09E-4559-9662-6450146FA3A0}"/>
+                <a16:creationId xmlns:a16="http://schemas.microsoft.com/office/drawing/2014/main" id="{7D3978A0-DD44-7130-5D33-2E0F94114652}"/>
               </a:ext>
             </a:extLst>
           </p:cNvPr>
@@ -1450,7 +1450,7 @@
           <a:bodyPr/>
           <a:lstStyle/>
           <a:p>
-            <a:fld id="{65AF1F4F-7EA8-4E03-B820-31B9DCCE0463}" type="slidenum">
+            <a:fld id="{3C8A742D-CD72-4ED7-8DD2-0169A331BA08}" type="slidenum">
               <a:rPr lang="zh-CN" altLang="en-US" smtClean="0"/>
               <a:t>‹#›</a:t>
             </a:fld>
@@ -1461,7 +1461,7 @@
     </p:spTree>
     <p:extLst>
       <p:ext uri="{BB962C8B-B14F-4D97-AF65-F5344CB8AC3E}">
-        <p14:creationId xmlns:p14="http://schemas.microsoft.com/office/powerpoint/2010/main" val="2455967131"/>
+        <p14:creationId xmlns:p14="http://schemas.microsoft.com/office/powerpoint/2010/main" val="3341383494"/>
       </p:ext>
     </p:extLst>
   </p:cSld>
@@ -1493,7 +1493,7 @@
           <p:cNvPr id="2" name="标题 1">
             <a:extLst>
               <a:ext uri="{FF2B5EF4-FFF2-40B4-BE49-F238E27FC236}">
-                <a16:creationId xmlns:a16="http://schemas.microsoft.com/office/drawing/2014/main" id="{318F96CF-99EF-FB44-2504-CC25A67405B3}"/>
+                <a16:creationId xmlns:a16="http://schemas.microsoft.com/office/drawing/2014/main" id="{DC14B50E-87E7-3F81-D00E-25D957861B22}"/>
               </a:ext>
             </a:extLst>
           </p:cNvPr>
@@ -1526,7 +1526,7 @@
           <p:cNvPr id="3" name="文本占位符 2">
             <a:extLst>
               <a:ext uri="{FF2B5EF4-FFF2-40B4-BE49-F238E27FC236}">
-                <a16:creationId xmlns:a16="http://schemas.microsoft.com/office/drawing/2014/main" id="{91B71975-939F-7F3D-96F4-CB5B6E4B3AC0}"/>
+                <a16:creationId xmlns:a16="http://schemas.microsoft.com/office/drawing/2014/main" id="{7E7506F5-F3C1-F214-7413-94DBE34DC75F}"/>
               </a:ext>
             </a:extLst>
           </p:cNvPr>
@@ -1597,7 +1597,7 @@
           <p:cNvPr id="4" name="内容占位符 3">
             <a:extLst>
               <a:ext uri="{FF2B5EF4-FFF2-40B4-BE49-F238E27FC236}">
-                <a16:creationId xmlns:a16="http://schemas.microsoft.com/office/drawing/2014/main" id="{815C2878-911D-B7A2-0C74-BF0F99A54FD0}"/>
+                <a16:creationId xmlns:a16="http://schemas.microsoft.com/office/drawing/2014/main" id="{B7C9E6BA-7166-A1C0-B7EA-FDE9795C672A}"/>
               </a:ext>
             </a:extLst>
           </p:cNvPr>
@@ -1659,7 +1659,7 @@
           <p:cNvPr id="5" name="文本占位符 4">
             <a:extLst>
               <a:ext uri="{FF2B5EF4-FFF2-40B4-BE49-F238E27FC236}">
-                <a16:creationId xmlns:a16="http://schemas.microsoft.com/office/drawing/2014/main" id="{1BBA68E1-0B43-D187-39B2-8C72E9DDD2D3}"/>
+                <a16:creationId xmlns:a16="http://schemas.microsoft.com/office/drawing/2014/main" id="{3BFDC015-27E5-5D31-8AE7-DFE3059A2781}"/>
               </a:ext>
             </a:extLst>
           </p:cNvPr>
@@ -1730,7 +1730,7 @@
           <p:cNvPr id="6" name="内容占位符 5">
             <a:extLst>
               <a:ext uri="{FF2B5EF4-FFF2-40B4-BE49-F238E27FC236}">
-                <a16:creationId xmlns:a16="http://schemas.microsoft.com/office/drawing/2014/main" id="{82FFE798-1A95-F467-0F52-64793AC4086C}"/>
+                <a16:creationId xmlns:a16="http://schemas.microsoft.com/office/drawing/2014/main" id="{DDC1C028-ABED-06F8-E92E-F552451E25D8}"/>
               </a:ext>
             </a:extLst>
           </p:cNvPr>
@@ -1792,7 +1792,7 @@
           <p:cNvPr id="7" name="日期占位符 6">
             <a:extLst>
               <a:ext uri="{FF2B5EF4-FFF2-40B4-BE49-F238E27FC236}">
-                <a16:creationId xmlns:a16="http://schemas.microsoft.com/office/drawing/2014/main" id="{23C64307-B491-0772-3B9A-9572B36AB375}"/>
+                <a16:creationId xmlns:a16="http://schemas.microsoft.com/office/drawing/2014/main" id="{8B63B16E-35FD-5D6D-4239-9E81520804D2}"/>
               </a:ext>
             </a:extLst>
           </p:cNvPr>
@@ -1808,7 +1808,7 @@
           <a:bodyPr/>
           <a:lstStyle/>
           <a:p>
-            <a:fld id="{9D7F5603-EEF2-4C95-BF9D-0A13C945F77B}" type="datetimeFigureOut">
+            <a:fld id="{C815FA5C-DDA1-4A65-8A46-B8B67DF42838}" type="datetimeFigureOut">
               <a:rPr lang="zh-CN" altLang="en-US" smtClean="0"/>
               <a:t>2024/3/10</a:t>
             </a:fld>
@@ -1821,7 +1821,7 @@
           <p:cNvPr id="8" name="页脚占位符 7">
             <a:extLst>
               <a:ext uri="{FF2B5EF4-FFF2-40B4-BE49-F238E27FC236}">
-                <a16:creationId xmlns:a16="http://schemas.microsoft.com/office/drawing/2014/main" id="{AA43A6CF-39B9-41F2-7137-EEBA44CE8921}"/>
+                <a16:creationId xmlns:a16="http://schemas.microsoft.com/office/drawing/2014/main" id="{4C4247E9-6A2D-8F2A-AFCD-E54BE2D5B622}"/>
               </a:ext>
             </a:extLst>
           </p:cNvPr>
@@ -1846,7 +1846,7 @@
           <p:cNvPr id="9" name="灯片编号占位符 8">
             <a:extLst>
               <a:ext uri="{FF2B5EF4-FFF2-40B4-BE49-F238E27FC236}">
-                <a16:creationId xmlns:a16="http://schemas.microsoft.com/office/drawing/2014/main" id="{299C73D4-C8F5-FF6B-5F03-905E42A871CD}"/>
+                <a16:creationId xmlns:a16="http://schemas.microsoft.com/office/drawing/2014/main" id="{CC362ED8-4D6C-21B8-DE60-6F1A04AFCC49}"/>
               </a:ext>
             </a:extLst>
           </p:cNvPr>
@@ -1862,7 +1862,7 @@
           <a:bodyPr/>
           <a:lstStyle/>
           <a:p>
-            <a:fld id="{65AF1F4F-7EA8-4E03-B820-31B9DCCE0463}" type="slidenum">
+            <a:fld id="{3C8A742D-CD72-4ED7-8DD2-0169A331BA08}" type="slidenum">
               <a:rPr lang="zh-CN" altLang="en-US" smtClean="0"/>
               <a:t>‹#›</a:t>
             </a:fld>
@@ -1873,7 +1873,7 @@
     </p:spTree>
     <p:extLst>
       <p:ext uri="{BB962C8B-B14F-4D97-AF65-F5344CB8AC3E}">
-        <p14:creationId xmlns:p14="http://schemas.microsoft.com/office/powerpoint/2010/main" val="2619396070"/>
+        <p14:creationId xmlns:p14="http://schemas.microsoft.com/office/powerpoint/2010/main" val="1271075068"/>
       </p:ext>
     </p:extLst>
   </p:cSld>
@@ -1905,7 +1905,7 @@
           <p:cNvPr id="2" name="标题 1">
             <a:extLst>
               <a:ext uri="{FF2B5EF4-FFF2-40B4-BE49-F238E27FC236}">
-                <a16:creationId xmlns:a16="http://schemas.microsoft.com/office/drawing/2014/main" id="{A1A1E6F4-0E6C-BA51-C2E6-9D899590B228}"/>
+                <a16:creationId xmlns:a16="http://schemas.microsoft.com/office/drawing/2014/main" id="{BD801BF7-8B88-8632-D734-2E4C220FD663}"/>
               </a:ext>
             </a:extLst>
           </p:cNvPr>
@@ -1933,7 +1933,7 @@
           <p:cNvPr id="3" name="日期占位符 2">
             <a:extLst>
               <a:ext uri="{FF2B5EF4-FFF2-40B4-BE49-F238E27FC236}">
-                <a16:creationId xmlns:a16="http://schemas.microsoft.com/office/drawing/2014/main" id="{7059CED9-D5A1-BA43-E800-9779F8250347}"/>
+                <a16:creationId xmlns:a16="http://schemas.microsoft.com/office/drawing/2014/main" id="{27107BF8-C837-6401-914F-8F3D8000A458}"/>
               </a:ext>
             </a:extLst>
           </p:cNvPr>
@@ -1949,7 +1949,7 @@
           <a:bodyPr/>
           <a:lstStyle/>
           <a:p>
-            <a:fld id="{9D7F5603-EEF2-4C95-BF9D-0A13C945F77B}" type="datetimeFigureOut">
+            <a:fld id="{C815FA5C-DDA1-4A65-8A46-B8B67DF42838}" type="datetimeFigureOut">
               <a:rPr lang="zh-CN" altLang="en-US" smtClean="0"/>
               <a:t>2024/3/10</a:t>
             </a:fld>
@@ -1962,7 +1962,7 @@
           <p:cNvPr id="4" name="页脚占位符 3">
             <a:extLst>
               <a:ext uri="{FF2B5EF4-FFF2-40B4-BE49-F238E27FC236}">
-                <a16:creationId xmlns:a16="http://schemas.microsoft.com/office/drawing/2014/main" id="{A788F11A-60A1-B812-80E4-6EDA0A90C586}"/>
+                <a16:creationId xmlns:a16="http://schemas.microsoft.com/office/drawing/2014/main" id="{B22CA6D7-482E-EC08-8C2A-B3B24C7E9A4C}"/>
               </a:ext>
             </a:extLst>
           </p:cNvPr>
@@ -1987,7 +1987,7 @@
           <p:cNvPr id="5" name="灯片编号占位符 4">
             <a:extLst>
               <a:ext uri="{FF2B5EF4-FFF2-40B4-BE49-F238E27FC236}">
-                <a16:creationId xmlns:a16="http://schemas.microsoft.com/office/drawing/2014/main" id="{2628B62A-93C8-3A40-1CCA-A8F254B43810}"/>
+                <a16:creationId xmlns:a16="http://schemas.microsoft.com/office/drawing/2014/main" id="{12C5D996-A556-F171-B183-CFAB57B1BCF3}"/>
               </a:ext>
             </a:extLst>
           </p:cNvPr>
@@ -2003,7 +2003,7 @@
           <a:bodyPr/>
           <a:lstStyle/>
           <a:p>
-            <a:fld id="{65AF1F4F-7EA8-4E03-B820-31B9DCCE0463}" type="slidenum">
+            <a:fld id="{3C8A742D-CD72-4ED7-8DD2-0169A331BA08}" type="slidenum">
               <a:rPr lang="zh-CN" altLang="en-US" smtClean="0"/>
               <a:t>‹#›</a:t>
             </a:fld>
@@ -2014,7 +2014,7 @@
     </p:spTree>
     <p:extLst>
       <p:ext uri="{BB962C8B-B14F-4D97-AF65-F5344CB8AC3E}">
-        <p14:creationId xmlns:p14="http://schemas.microsoft.com/office/powerpoint/2010/main" val="94926609"/>
+        <p14:creationId xmlns:p14="http://schemas.microsoft.com/office/powerpoint/2010/main" val="949483084"/>
       </p:ext>
     </p:extLst>
   </p:cSld>
@@ -2046,7 +2046,7 @@
           <p:cNvPr id="2" name="日期占位符 1">
             <a:extLst>
               <a:ext uri="{FF2B5EF4-FFF2-40B4-BE49-F238E27FC236}">
-                <a16:creationId xmlns:a16="http://schemas.microsoft.com/office/drawing/2014/main" id="{849FD746-6869-15DB-0F01-3D14884B5E11}"/>
+                <a16:creationId xmlns:a16="http://schemas.microsoft.com/office/drawing/2014/main" id="{6E2CC5EE-E997-CBA5-817E-E11357F542D2}"/>
               </a:ext>
             </a:extLst>
           </p:cNvPr>
@@ -2062,7 +2062,7 @@
           <a:bodyPr/>
           <a:lstStyle/>
           <a:p>
-            <a:fld id="{9D7F5603-EEF2-4C95-BF9D-0A13C945F77B}" type="datetimeFigureOut">
+            <a:fld id="{C815FA5C-DDA1-4A65-8A46-B8B67DF42838}" type="datetimeFigureOut">
               <a:rPr lang="zh-CN" altLang="en-US" smtClean="0"/>
               <a:t>2024/3/10</a:t>
             </a:fld>
@@ -2075,7 +2075,7 @@
           <p:cNvPr id="3" name="页脚占位符 2">
             <a:extLst>
               <a:ext uri="{FF2B5EF4-FFF2-40B4-BE49-F238E27FC236}">
-                <a16:creationId xmlns:a16="http://schemas.microsoft.com/office/drawing/2014/main" id="{7D442DD9-89C2-4D00-64DA-233ADF5BBFFC}"/>
+                <a16:creationId xmlns:a16="http://schemas.microsoft.com/office/drawing/2014/main" id="{24E4CFBC-3D6D-6F50-552B-0EE326AC6EB1}"/>
               </a:ext>
             </a:extLst>
           </p:cNvPr>
@@ -2100,7 +2100,7 @@
           <p:cNvPr id="4" name="灯片编号占位符 3">
             <a:extLst>
               <a:ext uri="{FF2B5EF4-FFF2-40B4-BE49-F238E27FC236}">
-                <a16:creationId xmlns:a16="http://schemas.microsoft.com/office/drawing/2014/main" id="{25E7CA22-53CD-6BEF-089F-97D1FC5D2576}"/>
+                <a16:creationId xmlns:a16="http://schemas.microsoft.com/office/drawing/2014/main" id="{3F04E370-9A2C-CD72-3B45-C5B09627AD3B}"/>
               </a:ext>
             </a:extLst>
           </p:cNvPr>
@@ -2116,7 +2116,7 @@
           <a:bodyPr/>
           <a:lstStyle/>
           <a:p>
-            <a:fld id="{65AF1F4F-7EA8-4E03-B820-31B9DCCE0463}" type="slidenum">
+            <a:fld id="{3C8A742D-CD72-4ED7-8DD2-0169A331BA08}" type="slidenum">
               <a:rPr lang="zh-CN" altLang="en-US" smtClean="0"/>
               <a:t>‹#›</a:t>
             </a:fld>
@@ -2127,7 +2127,7 @@
     </p:spTree>
     <p:extLst>
       <p:ext uri="{BB962C8B-B14F-4D97-AF65-F5344CB8AC3E}">
-        <p14:creationId xmlns:p14="http://schemas.microsoft.com/office/powerpoint/2010/main" val="3345026222"/>
+        <p14:creationId xmlns:p14="http://schemas.microsoft.com/office/powerpoint/2010/main" val="891567545"/>
       </p:ext>
     </p:extLst>
   </p:cSld>
@@ -2159,7 +2159,7 @@
           <p:cNvPr id="2" name="标题 1">
             <a:extLst>
               <a:ext uri="{FF2B5EF4-FFF2-40B4-BE49-F238E27FC236}">
-                <a16:creationId xmlns:a16="http://schemas.microsoft.com/office/drawing/2014/main" id="{F63E7E27-71C2-DE47-6B2F-EA5EF1DDA3FF}"/>
+                <a16:creationId xmlns:a16="http://schemas.microsoft.com/office/drawing/2014/main" id="{F76C1231-7DFE-5347-589D-E9E7720B26B8}"/>
               </a:ext>
             </a:extLst>
           </p:cNvPr>
@@ -2196,7 +2196,7 @@
           <p:cNvPr id="3" name="内容占位符 2">
             <a:extLst>
               <a:ext uri="{FF2B5EF4-FFF2-40B4-BE49-F238E27FC236}">
-                <a16:creationId xmlns:a16="http://schemas.microsoft.com/office/drawing/2014/main" id="{8778BD38-4124-9B22-3A9C-9BB966ECDCF8}"/>
+                <a16:creationId xmlns:a16="http://schemas.microsoft.com/office/drawing/2014/main" id="{1A1AF6A7-D577-B215-51C0-B250FCC08DE7}"/>
               </a:ext>
             </a:extLst>
           </p:cNvPr>
@@ -2286,7 +2286,7 @@
           <p:cNvPr id="4" name="文本占位符 3">
             <a:extLst>
               <a:ext uri="{FF2B5EF4-FFF2-40B4-BE49-F238E27FC236}">
-                <a16:creationId xmlns:a16="http://schemas.microsoft.com/office/drawing/2014/main" id="{F35178AE-F14C-3397-DC3D-04755810DCF3}"/>
+                <a16:creationId xmlns:a16="http://schemas.microsoft.com/office/drawing/2014/main" id="{97916D4E-958E-604D-D71E-69CEB95D6EEB}"/>
               </a:ext>
             </a:extLst>
           </p:cNvPr>
@@ -2357,7 +2357,7 @@
           <p:cNvPr id="5" name="日期占位符 4">
             <a:extLst>
               <a:ext uri="{FF2B5EF4-FFF2-40B4-BE49-F238E27FC236}">
-                <a16:creationId xmlns:a16="http://schemas.microsoft.com/office/drawing/2014/main" id="{25F61894-E2C9-D632-7923-FCFD604F3643}"/>
+                <a16:creationId xmlns:a16="http://schemas.microsoft.com/office/drawing/2014/main" id="{02E3D1F1-199B-6B84-52BF-F34A10F1948F}"/>
               </a:ext>
             </a:extLst>
           </p:cNvPr>
@@ -2373,7 +2373,7 @@
           <a:bodyPr/>
           <a:lstStyle/>
           <a:p>
-            <a:fld id="{9D7F5603-EEF2-4C95-BF9D-0A13C945F77B}" type="datetimeFigureOut">
+            <a:fld id="{C815FA5C-DDA1-4A65-8A46-B8B67DF42838}" type="datetimeFigureOut">
               <a:rPr lang="zh-CN" altLang="en-US" smtClean="0"/>
               <a:t>2024/3/10</a:t>
             </a:fld>
@@ -2386,7 +2386,7 @@
           <p:cNvPr id="6" name="页脚占位符 5">
             <a:extLst>
               <a:ext uri="{FF2B5EF4-FFF2-40B4-BE49-F238E27FC236}">
-                <a16:creationId xmlns:a16="http://schemas.microsoft.com/office/drawing/2014/main" id="{957FFD09-1DF9-9924-685B-47590FE09F15}"/>
+                <a16:creationId xmlns:a16="http://schemas.microsoft.com/office/drawing/2014/main" id="{311CEFD6-BD99-C822-4397-6E37984F36D7}"/>
               </a:ext>
             </a:extLst>
           </p:cNvPr>
@@ -2411,7 +2411,7 @@
           <p:cNvPr id="7" name="灯片编号占位符 6">
             <a:extLst>
               <a:ext uri="{FF2B5EF4-FFF2-40B4-BE49-F238E27FC236}">
-                <a16:creationId xmlns:a16="http://schemas.microsoft.com/office/drawing/2014/main" id="{03DF1E9F-0DE5-3927-16CC-579D2B0DB52B}"/>
+                <a16:creationId xmlns:a16="http://schemas.microsoft.com/office/drawing/2014/main" id="{9AFCC23D-9ECA-55B5-125A-D9FEF92B2603}"/>
               </a:ext>
             </a:extLst>
           </p:cNvPr>
@@ -2427,7 +2427,7 @@
           <a:bodyPr/>
           <a:lstStyle/>
           <a:p>
-            <a:fld id="{65AF1F4F-7EA8-4E03-B820-31B9DCCE0463}" type="slidenum">
+            <a:fld id="{3C8A742D-CD72-4ED7-8DD2-0169A331BA08}" type="slidenum">
               <a:rPr lang="zh-CN" altLang="en-US" smtClean="0"/>
               <a:t>‹#›</a:t>
             </a:fld>
@@ -2438,7 +2438,7 @@
     </p:spTree>
     <p:extLst>
       <p:ext uri="{BB962C8B-B14F-4D97-AF65-F5344CB8AC3E}">
-        <p14:creationId xmlns:p14="http://schemas.microsoft.com/office/powerpoint/2010/main" val="270982566"/>
+        <p14:creationId xmlns:p14="http://schemas.microsoft.com/office/powerpoint/2010/main" val="2818810072"/>
       </p:ext>
     </p:extLst>
   </p:cSld>
@@ -2470,7 +2470,7 @@
           <p:cNvPr id="2" name="标题 1">
             <a:extLst>
               <a:ext uri="{FF2B5EF4-FFF2-40B4-BE49-F238E27FC236}">
-                <a16:creationId xmlns:a16="http://schemas.microsoft.com/office/drawing/2014/main" id="{186BDA6A-E8A4-30E5-9646-C834F6E64E1E}"/>
+                <a16:creationId xmlns:a16="http://schemas.microsoft.com/office/drawing/2014/main" id="{01E90804-7FCC-7042-9910-D798DA2D506F}"/>
               </a:ext>
             </a:extLst>
           </p:cNvPr>
@@ -2507,7 +2507,7 @@
           <p:cNvPr id="3" name="图片占位符 2">
             <a:extLst>
               <a:ext uri="{FF2B5EF4-FFF2-40B4-BE49-F238E27FC236}">
-                <a16:creationId xmlns:a16="http://schemas.microsoft.com/office/drawing/2014/main" id="{F9A206D9-A753-BEA7-B320-84E20E49F318}"/>
+                <a16:creationId xmlns:a16="http://schemas.microsoft.com/office/drawing/2014/main" id="{86DAF79C-71B0-A772-611A-5782EFBC5DF7}"/>
               </a:ext>
             </a:extLst>
           </p:cNvPr>
@@ -2574,7 +2574,7 @@
           <p:cNvPr id="4" name="文本占位符 3">
             <a:extLst>
               <a:ext uri="{FF2B5EF4-FFF2-40B4-BE49-F238E27FC236}">
-                <a16:creationId xmlns:a16="http://schemas.microsoft.com/office/drawing/2014/main" id="{ABDBB8CB-37A8-32FD-4253-3F2618AFC563}"/>
+                <a16:creationId xmlns:a16="http://schemas.microsoft.com/office/drawing/2014/main" id="{1D2EDC63-A47E-2315-773C-B66C15590FCB}"/>
               </a:ext>
             </a:extLst>
           </p:cNvPr>
@@ -2645,7 +2645,7 @@
           <p:cNvPr id="5" name="日期占位符 4">
             <a:extLst>
               <a:ext uri="{FF2B5EF4-FFF2-40B4-BE49-F238E27FC236}">
-                <a16:creationId xmlns:a16="http://schemas.microsoft.com/office/drawing/2014/main" id="{83AB2812-245E-74EB-98F3-2901138019EB}"/>
+                <a16:creationId xmlns:a16="http://schemas.microsoft.com/office/drawing/2014/main" id="{8C4E8577-D010-D2AF-E71F-7B83D7304C5C}"/>
               </a:ext>
             </a:extLst>
           </p:cNvPr>
@@ -2661,7 +2661,7 @@
           <a:bodyPr/>
           <a:lstStyle/>
           <a:p>
-            <a:fld id="{9D7F5603-EEF2-4C95-BF9D-0A13C945F77B}" type="datetimeFigureOut">
+            <a:fld id="{C815FA5C-DDA1-4A65-8A46-B8B67DF42838}" type="datetimeFigureOut">
               <a:rPr lang="zh-CN" altLang="en-US" smtClean="0"/>
               <a:t>2024/3/10</a:t>
             </a:fld>
@@ -2674,7 +2674,7 @@
           <p:cNvPr id="6" name="页脚占位符 5">
             <a:extLst>
               <a:ext uri="{FF2B5EF4-FFF2-40B4-BE49-F238E27FC236}">
-                <a16:creationId xmlns:a16="http://schemas.microsoft.com/office/drawing/2014/main" id="{44FF4F4F-DC09-1113-4389-3169D312E99B}"/>
+                <a16:creationId xmlns:a16="http://schemas.microsoft.com/office/drawing/2014/main" id="{78640AD5-422E-4C08-6761-BE717B7EBF98}"/>
               </a:ext>
             </a:extLst>
           </p:cNvPr>
@@ -2699,7 +2699,7 @@
           <p:cNvPr id="7" name="灯片编号占位符 6">
             <a:extLst>
               <a:ext uri="{FF2B5EF4-FFF2-40B4-BE49-F238E27FC236}">
-                <a16:creationId xmlns:a16="http://schemas.microsoft.com/office/drawing/2014/main" id="{D1FA2C2F-7ED3-903D-01D7-84B6E8A81E15}"/>
+                <a16:creationId xmlns:a16="http://schemas.microsoft.com/office/drawing/2014/main" id="{5B30F47C-11AC-EAC0-AA2D-919B8390BFC5}"/>
               </a:ext>
             </a:extLst>
           </p:cNvPr>
@@ -2715,7 +2715,7 @@
           <a:bodyPr/>
           <a:lstStyle/>
           <a:p>
-            <a:fld id="{65AF1F4F-7EA8-4E03-B820-31B9DCCE0463}" type="slidenum">
+            <a:fld id="{3C8A742D-CD72-4ED7-8DD2-0169A331BA08}" type="slidenum">
               <a:rPr lang="zh-CN" altLang="en-US" smtClean="0"/>
               <a:t>‹#›</a:t>
             </a:fld>
@@ -2726,7 +2726,7 @@
     </p:spTree>
     <p:extLst>
       <p:ext uri="{BB962C8B-B14F-4D97-AF65-F5344CB8AC3E}">
-        <p14:creationId xmlns:p14="http://schemas.microsoft.com/office/powerpoint/2010/main" val="359499955"/>
+        <p14:creationId xmlns:p14="http://schemas.microsoft.com/office/powerpoint/2010/main" val="676225934"/>
       </p:ext>
     </p:extLst>
   </p:cSld>
@@ -2763,7 +2763,7 @@
           <p:cNvPr id="2" name="标题占位符 1">
             <a:extLst>
               <a:ext uri="{FF2B5EF4-FFF2-40B4-BE49-F238E27FC236}">
-                <a16:creationId xmlns:a16="http://schemas.microsoft.com/office/drawing/2014/main" id="{C3982DB6-C513-A68C-3D3F-6801A7E671C0}"/>
+                <a16:creationId xmlns:a16="http://schemas.microsoft.com/office/drawing/2014/main" id="{41D9E301-6C00-5C11-ACA1-168286EDD99B}"/>
               </a:ext>
             </a:extLst>
           </p:cNvPr>
@@ -2801,7 +2801,7 @@
           <p:cNvPr id="3" name="文本占位符 2">
             <a:extLst>
               <a:ext uri="{FF2B5EF4-FFF2-40B4-BE49-F238E27FC236}">
-                <a16:creationId xmlns:a16="http://schemas.microsoft.com/office/drawing/2014/main" id="{9EDAE435-345D-231D-5022-54B90761656A}"/>
+                <a16:creationId xmlns:a16="http://schemas.microsoft.com/office/drawing/2014/main" id="{40BFCE88-9F06-FC76-1D0F-BE7BC122C5B7}"/>
               </a:ext>
             </a:extLst>
           </p:cNvPr>
@@ -2868,7 +2868,7 @@
           <p:cNvPr id="4" name="日期占位符 3">
             <a:extLst>
               <a:ext uri="{FF2B5EF4-FFF2-40B4-BE49-F238E27FC236}">
-                <a16:creationId xmlns:a16="http://schemas.microsoft.com/office/drawing/2014/main" id="{83D1B0D0-7D95-B133-72C1-47B8D047FFE6}"/>
+                <a16:creationId xmlns:a16="http://schemas.microsoft.com/office/drawing/2014/main" id="{6E458E95-9B78-94D1-F1EB-5EE906BC6922}"/>
               </a:ext>
             </a:extLst>
           </p:cNvPr>
@@ -2902,7 +2902,7 @@
             </a:lvl1pPr>
           </a:lstStyle>
           <a:p>
-            <a:fld id="{9D7F5603-EEF2-4C95-BF9D-0A13C945F77B}" type="datetimeFigureOut">
+            <a:fld id="{C815FA5C-DDA1-4A65-8A46-B8B67DF42838}" type="datetimeFigureOut">
               <a:rPr lang="zh-CN" altLang="en-US" smtClean="0"/>
               <a:t>2024/3/10</a:t>
             </a:fld>
@@ -2915,7 +2915,7 @@
           <p:cNvPr id="5" name="页脚占位符 4">
             <a:extLst>
               <a:ext uri="{FF2B5EF4-FFF2-40B4-BE49-F238E27FC236}">
-                <a16:creationId xmlns:a16="http://schemas.microsoft.com/office/drawing/2014/main" id="{ED889452-BF6A-34C2-E629-A365425A9C28}"/>
+                <a16:creationId xmlns:a16="http://schemas.microsoft.com/office/drawing/2014/main" id="{DAD2B17F-C18F-7E19-2857-2AC4E62FAACD}"/>
               </a:ext>
             </a:extLst>
           </p:cNvPr>
@@ -2958,7 +2958,7 @@
           <p:cNvPr id="6" name="灯片编号占位符 5">
             <a:extLst>
               <a:ext uri="{FF2B5EF4-FFF2-40B4-BE49-F238E27FC236}">
-                <a16:creationId xmlns:a16="http://schemas.microsoft.com/office/drawing/2014/main" id="{CD9C778B-324A-C50C-5DE3-98A8532DF25F}"/>
+                <a16:creationId xmlns:a16="http://schemas.microsoft.com/office/drawing/2014/main" id="{CFD8A2D5-6F44-E537-0612-1D0F9FD57C54}"/>
               </a:ext>
             </a:extLst>
           </p:cNvPr>
@@ -2992,7 +2992,7 @@
             </a:lvl1pPr>
           </a:lstStyle>
           <a:p>
-            <a:fld id="{65AF1F4F-7EA8-4E03-B820-31B9DCCE0463}" type="slidenum">
+            <a:fld id="{3C8A742D-CD72-4ED7-8DD2-0169A331BA08}" type="slidenum">
               <a:rPr lang="zh-CN" altLang="en-US" smtClean="0"/>
               <a:t>‹#›</a:t>
             </a:fld>
@@ -3003,7 +3003,7 @@
     </p:spTree>
     <p:extLst>
       <p:ext uri="{BB962C8B-B14F-4D97-AF65-F5344CB8AC3E}">
-        <p14:creationId xmlns:p14="http://schemas.microsoft.com/office/powerpoint/2010/main" val="1955510225"/>
+        <p14:creationId xmlns:p14="http://schemas.microsoft.com/office/powerpoint/2010/main" val="3376984903"/>
       </p:ext>
     </p:extLst>
   </p:cSld>
@@ -3323,7 +3323,7 @@
       </p:grpSpPr>
       <p:pic>
         <p:nvPicPr>
-          <p:cNvPr id="1097730" name="Picture 2" descr="1071"/>
+          <p:cNvPr id="1098754" name="Picture 2" descr="1072"/>
           <p:cNvPicPr>
             <a:picLocks noChangeAspect="1" noChangeArrowheads="1"/>
           </p:cNvPicPr>
